--- a/Medlook_Reducing_medication_harm_through_high_quality_images.pptx
+++ b/Medlook_Reducing_medication_harm_through_high_quality_images.pptx
@@ -123,7 +123,7 @@
   </p:defaultTextStyle>
   <p:extLst>
     <p:ext uri="{EFAFB233-063F-42B5-8137-9DF3F51BA10A}">
-      <p15:sldGuideLst xmlns="" xmlns:p15="http://schemas.microsoft.com/office/powerpoint/2012/main">
+      <p15:sldGuideLst xmlns:p15="http://schemas.microsoft.com/office/powerpoint/2012/main" xmlns="">
         <p15:guide id="1" orient="horz" pos="2160">
           <p15:clr>
             <a:srgbClr val="A4A3A4"/>
@@ -392,7 +392,7 @@
     </p:spTree>
     <p:extLst>
       <p:ext uri="{BB962C8B-B14F-4D97-AF65-F5344CB8AC3E}">
-        <p14:creationId xmlns="" xmlns:p14="http://schemas.microsoft.com/office/powerpoint/2010/main" val="2360539580"/>
+        <p14:creationId xmlns:p14="http://schemas.microsoft.com/office/powerpoint/2010/main" xmlns="" val="2360539580"/>
       </p:ext>
     </p:extLst>
   </p:cSld>
@@ -567,7 +567,7 @@
     </p:spTree>
     <p:extLst>
       <p:ext uri="{BB962C8B-B14F-4D97-AF65-F5344CB8AC3E}">
-        <p14:creationId xmlns="" xmlns:p14="http://schemas.microsoft.com/office/powerpoint/2010/main" val="112029461"/>
+        <p14:creationId xmlns:p14="http://schemas.microsoft.com/office/powerpoint/2010/main" xmlns="" val="112029461"/>
       </p:ext>
     </p:extLst>
   </p:cSld>
@@ -7689,7 +7689,7 @@
     </p:spTree>
     <p:extLst>
       <p:ext uri="{BB962C8B-B14F-4D97-AF65-F5344CB8AC3E}">
-        <p14:creationId xmlns="" xmlns:p14="http://schemas.microsoft.com/office/powerpoint/2010/main" val="186657960"/>
+        <p14:creationId xmlns:p14="http://schemas.microsoft.com/office/powerpoint/2010/main" xmlns="" val="186657960"/>
       </p:ext>
     </p:extLst>
   </p:cSld>
@@ -8180,7 +8180,7 @@
           <a:blip r:embed="rId4">
             <a:extLst>
               <a:ext uri="{28A0092B-C50C-407E-A947-70E740481C1C}">
-                <a14:useLocalDpi xmlns="" xmlns:a14="http://schemas.microsoft.com/office/drawing/2010/main" val="0"/>
+                <a14:useLocalDpi xmlns:a14="http://schemas.microsoft.com/office/drawing/2010/main" xmlns="" val="0"/>
               </a:ext>
             </a:extLst>
           </a:blip>
@@ -8201,14 +8201,14 @@
           </a:ln>
           <a:extLst>
             <a:ext uri="{909E8E84-426E-40DD-AFC4-6F175D3DCCD1}">
-              <a14:hiddenFill xmlns="" xmlns:a14="http://schemas.microsoft.com/office/drawing/2010/main">
+              <a14:hiddenFill xmlns:a14="http://schemas.microsoft.com/office/drawing/2010/main" xmlns="">
                 <a:solidFill>
                   <a:schemeClr val="accent1"/>
                 </a:solidFill>
               </a14:hiddenFill>
             </a:ext>
             <a:ext uri="{91240B29-F687-4F45-9708-019B960494DF}">
-              <a14:hiddenLine xmlns="" xmlns:a14="http://schemas.microsoft.com/office/drawing/2010/main" w="9525">
+              <a14:hiddenLine xmlns:a14="http://schemas.microsoft.com/office/drawing/2010/main" xmlns="" w="9525">
                 <a:solidFill>
                   <a:schemeClr val="tx1"/>
                 </a:solidFill>
@@ -8232,7 +8232,7 @@
           <a:blip r:embed="rId5">
             <a:extLst>
               <a:ext uri="{28A0092B-C50C-407E-A947-70E740481C1C}">
-                <a14:useLocalDpi xmlns="" xmlns:a14="http://schemas.microsoft.com/office/drawing/2010/main" val="0"/>
+                <a14:useLocalDpi xmlns:a14="http://schemas.microsoft.com/office/drawing/2010/main" xmlns="" val="0"/>
               </a:ext>
             </a:extLst>
           </a:blip>
@@ -8253,14 +8253,14 @@
           </a:ln>
           <a:extLst>
             <a:ext uri="{909E8E84-426E-40DD-AFC4-6F175D3DCCD1}">
-              <a14:hiddenFill xmlns="" xmlns:a14="http://schemas.microsoft.com/office/drawing/2010/main">
+              <a14:hiddenFill xmlns:a14="http://schemas.microsoft.com/office/drawing/2010/main" xmlns="">
                 <a:solidFill>
                   <a:schemeClr val="accent1"/>
                 </a:solidFill>
               </a14:hiddenFill>
             </a:ext>
             <a:ext uri="{91240B29-F687-4F45-9708-019B960494DF}">
-              <a14:hiddenLine xmlns="" xmlns:a14="http://schemas.microsoft.com/office/drawing/2010/main" w="9525">
+              <a14:hiddenLine xmlns:a14="http://schemas.microsoft.com/office/drawing/2010/main" xmlns="" w="9525">
                 <a:solidFill>
                   <a:schemeClr val="tx1"/>
                 </a:solidFill>
@@ -8275,7 +8275,7 @@
     </p:spTree>
     <p:extLst>
       <p:ext uri="{BB962C8B-B14F-4D97-AF65-F5344CB8AC3E}">
-        <p14:creationId xmlns="" xmlns:p14="http://schemas.microsoft.com/office/powerpoint/2010/main" val="2012037957"/>
+        <p14:creationId xmlns:p14="http://schemas.microsoft.com/office/powerpoint/2010/main" xmlns="" val="2012037957"/>
       </p:ext>
     </p:extLst>
   </p:cSld>
@@ -9102,17 +9102,7 @@
                 <a:latin typeface="Calibri Light"/>
                 <a:ea typeface="Lato"/>
               </a:rPr>
-              <a:t>1.</a:t>
-            </a:r>
-            <a:r>
-              <a:rPr lang="en-NZ" b="1" spc="-1" dirty="0" smtClean="0">
-                <a:solidFill>
-                  <a:srgbClr val="41719C"/>
-                </a:solidFill>
-                <a:latin typeface="Calibri Light"/>
-                <a:ea typeface="Lato"/>
-              </a:rPr>
-              <a:t> </a:t>
+              <a:t>1. </a:t>
             </a:r>
             <a:r>
               <a:rPr lang="en-NZ" sz="1600" b="1" spc="-1" dirty="0" smtClean="0">
@@ -9122,7 +9112,60 @@
                 <a:latin typeface="Calibri Light"/>
                 <a:ea typeface="Lato"/>
               </a:rPr>
-              <a:t>HQSC 2018. Medicine Management Digital Services</a:t>
+              <a:t>HQSC 2018. Medicine Management Digital </a:t>
+            </a:r>
+            <a:r>
+              <a:rPr lang="en-NZ" sz="1600" b="1" spc="-1" dirty="0" smtClean="0">
+                <a:solidFill>
+                  <a:srgbClr val="41719C"/>
+                </a:solidFill>
+                <a:latin typeface="Calibri Light"/>
+                <a:ea typeface="Lato"/>
+              </a:rPr>
+              <a:t>Services. </a:t>
+            </a:r>
+            <a:r>
+              <a:rPr lang="en-NZ" sz="1600" b="1" spc="-1" smtClean="0">
+                <a:solidFill>
+                  <a:srgbClr val="41719C"/>
+                </a:solidFill>
+                <a:latin typeface="Calibri Light"/>
+                <a:ea typeface="Lato"/>
+                <a:hlinkClick r:id="rId3"/>
+              </a:rPr>
+              <a:t>https</a:t>
+            </a:r>
+            <a:r>
+              <a:rPr lang="en-NZ" sz="1600" b="1" spc="-1" smtClean="0">
+                <a:solidFill>
+                  <a:srgbClr val="41719C"/>
+                </a:solidFill>
+                <a:latin typeface="Calibri Light"/>
+                <a:ea typeface="Lato"/>
+                <a:hlinkClick r:id="rId3"/>
+              </a:rPr>
+              <a:t>://</a:t>
+            </a:r>
+            <a:r>
+              <a:rPr lang="en-NZ" sz="1600" b="1" spc="-1" smtClean="0">
+                <a:solidFill>
+                  <a:srgbClr val="41719C"/>
+                </a:solidFill>
+                <a:latin typeface="Calibri Light"/>
+                <a:ea typeface="Lato"/>
+                <a:hlinkClick r:id="rId3"/>
+              </a:rPr>
+              <a:t>www.hqsc.govt.nz/assets/Medication-Safety/Other-PR/Medicines_management_infographic_Mar_2018.pdf</a:t>
+            </a:r>
+            <a:r>
+              <a:rPr lang="en-NZ" sz="1600" b="1" spc="-1" smtClean="0">
+                <a:solidFill>
+                  <a:srgbClr val="41719C"/>
+                </a:solidFill>
+                <a:latin typeface="Calibri Light"/>
+                <a:ea typeface="Lato"/>
+              </a:rPr>
+              <a:t> </a:t>
             </a:r>
             <a:endParaRPr lang="en-NZ" sz="1600" b="1" spc="-1" dirty="0" smtClean="0">
               <a:solidFill>
@@ -9224,7 +9267,7 @@
                 </a:solidFill>
                 <a:latin typeface="Calibri Light"/>
                 <a:ea typeface="Lato"/>
-                <a:hlinkClick r:id="rId3"/>
+                <a:hlinkClick r:id="rId4"/>
               </a:rPr>
               <a:t>https://github.com/titu1994/Image-Super-Resolution</a:t>
             </a:r>
@@ -9510,7 +9553,7 @@
           <p:nvPr/>
         </p:nvPicPr>
         <p:blipFill>
-          <a:blip r:embed="rId4"/>
+          <a:blip r:embed="rId5"/>
           <a:srcRect/>
           <a:stretch>
             <a:fillRect/>
@@ -13719,7 +13762,7 @@
               </a:ln>
               <a:extLst>
                 <a:ext uri="{91240B29-F687-4f45-9708-019B960494DF}">
-                  <a14:hiddenLine xmlns:a14="http://schemas.microsoft.com/office/drawing/2010/main" xmlns="" w="9525">
+                  <a14:hiddenLine xmlns="" xmlns:a14="http://schemas.microsoft.com/office/drawing/2010/main" w="9525">
                     <a:solidFill>
                       <a:srgbClr val="000000"/>
                     </a:solidFill>
@@ -13906,7 +13949,7 @@
               </a:ln>
               <a:extLst>
                 <a:ext uri="{91240B29-F687-4f45-9708-019B960494DF}">
-                  <a14:hiddenLine xmlns:a14="http://schemas.microsoft.com/office/drawing/2010/main" xmlns="" w="9525">
+                  <a14:hiddenLine xmlns="" xmlns:a14="http://schemas.microsoft.com/office/drawing/2010/main" w="9525">
                     <a:solidFill>
                       <a:srgbClr val="000000"/>
                     </a:solidFill>
@@ -14044,7 +14087,7 @@
               </a:ln>
               <a:extLst>
                 <a:ext uri="{91240B29-F687-4f45-9708-019B960494DF}">
-                  <a14:hiddenLine xmlns:a14="http://schemas.microsoft.com/office/drawing/2010/main" xmlns="" w="9525">
+                  <a14:hiddenLine xmlns="" xmlns:a14="http://schemas.microsoft.com/office/drawing/2010/main" w="9525">
                     <a:solidFill>
                       <a:srgbClr val="000000"/>
                     </a:solidFill>
@@ -14231,7 +14274,7 @@
               </a:ln>
               <a:extLst>
                 <a:ext uri="{91240B29-F687-4f45-9708-019B960494DF}">
-                  <a14:hiddenLine xmlns:a14="http://schemas.microsoft.com/office/drawing/2010/main" xmlns="" w="9525">
+                  <a14:hiddenLine xmlns="" xmlns:a14="http://schemas.microsoft.com/office/drawing/2010/main" w="9525">
                     <a:solidFill>
                       <a:srgbClr val="000000"/>
                     </a:solidFill>
@@ -21389,7 +21432,7 @@
           <a:blip r:embed="rId3">
             <a:extLst>
               <a:ext uri="{28A0092B-C50C-407E-A947-70E740481C1C}">
-                <a14:useLocalDpi xmlns="" xmlns:a14="http://schemas.microsoft.com/office/drawing/2010/main" val="0"/>
+                <a14:useLocalDpi xmlns:a14="http://schemas.microsoft.com/office/drawing/2010/main" xmlns="" val="0"/>
               </a:ext>
             </a:extLst>
           </a:blip>
@@ -21410,14 +21453,14 @@
           </a:ln>
           <a:extLst>
             <a:ext uri="{909E8E84-426E-40DD-AFC4-6F175D3DCCD1}">
-              <a14:hiddenFill xmlns="" xmlns:a14="http://schemas.microsoft.com/office/drawing/2010/main">
+              <a14:hiddenFill xmlns:a14="http://schemas.microsoft.com/office/drawing/2010/main" xmlns="">
                 <a:solidFill>
                   <a:schemeClr val="accent1"/>
                 </a:solidFill>
               </a14:hiddenFill>
             </a:ext>
             <a:ext uri="{91240B29-F687-4F45-9708-019B960494DF}">
-              <a14:hiddenLine xmlns="" xmlns:a14="http://schemas.microsoft.com/office/drawing/2010/main" w="9525">
+              <a14:hiddenLine xmlns:a14="http://schemas.microsoft.com/office/drawing/2010/main" xmlns="" w="9525">
                 <a:solidFill>
                   <a:schemeClr val="tx1"/>
                 </a:solidFill>
@@ -22062,7 +22105,7 @@
     </p:spTree>
     <p:extLst>
       <p:ext uri="{BB962C8B-B14F-4D97-AF65-F5344CB8AC3E}">
-        <p14:creationId xmlns="" xmlns:p14="http://schemas.microsoft.com/office/powerpoint/2010/main" val="186657960"/>
+        <p14:creationId xmlns:p14="http://schemas.microsoft.com/office/powerpoint/2010/main" xmlns="" val="186657960"/>
       </p:ext>
     </p:extLst>
   </p:cSld>
@@ -22294,7 +22337,17 @@
                 <a:latin typeface="Calibri Light" panose="020F0302020204030204" pitchFamily="34" charset="0"/>
                 <a:ea typeface="Lato"/>
               </a:rPr>
-              <a:t>Utilise several super-resolution deep convolutional neural network models in </a:t>
+              <a:t>Utilise several super-resolution deep convolutional neural network models in Keras</a:t>
+            </a:r>
+            <a:r>
+              <a:rPr lang="en-NZ" b="1" spc="-1" baseline="33000" dirty="0" smtClean="0">
+                <a:solidFill>
+                  <a:srgbClr val="41719C"/>
+                </a:solidFill>
+                <a:latin typeface="Calibri Light" panose="020F0302020204030204" pitchFamily="34" charset="0"/>
+                <a:ea typeface="Lato"/>
+              </a:rPr>
+              <a:t>2</a:t>
             </a:r>
             <a:r>
               <a:rPr lang="en-NZ" b="1" spc="-1" dirty="0" smtClean="0">
@@ -22304,47 +22357,7 @@
                 <a:latin typeface="Calibri Light" panose="020F0302020204030204" pitchFamily="34" charset="0"/>
                 <a:ea typeface="Lato"/>
               </a:rPr>
-              <a:t>Keras</a:t>
-            </a:r>
-            <a:r>
-              <a:rPr lang="en-NZ" b="1" spc="-1" baseline="33000" dirty="0" smtClean="0">
-                <a:solidFill>
-                  <a:srgbClr val="41719C"/>
-                </a:solidFill>
-                <a:latin typeface="Calibri Light" panose="020F0302020204030204" pitchFamily="34" charset="0"/>
-                <a:ea typeface="Lato"/>
-              </a:rPr>
-              <a:t>2</a:t>
-            </a:r>
-            <a:r>
-              <a:rPr lang="en-NZ" b="1" spc="-1" dirty="0" smtClean="0">
-                <a:solidFill>
-                  <a:srgbClr val="41719C"/>
-                </a:solidFill>
-                <a:latin typeface="Calibri Light" panose="020F0302020204030204" pitchFamily="34" charset="0"/>
-                <a:ea typeface="Lato"/>
-              </a:rPr>
-              <a:t> </a:t>
-            </a:r>
-            <a:r>
-              <a:rPr lang="en-NZ" b="1" spc="-1" dirty="0" smtClean="0">
-                <a:solidFill>
-                  <a:srgbClr val="41719C"/>
-                </a:solidFill>
-                <a:latin typeface="Calibri Light" panose="020F0302020204030204" pitchFamily="34" charset="0"/>
-                <a:ea typeface="Lato"/>
-              </a:rPr>
-              <a:t>as demonstrated by Dong, C et al </a:t>
-            </a:r>
-            <a:r>
-              <a:rPr lang="en-NZ" b="1" spc="-1" dirty="0" smtClean="0">
-                <a:solidFill>
-                  <a:srgbClr val="41719C"/>
-                </a:solidFill>
-                <a:latin typeface="Calibri Light" panose="020F0302020204030204" pitchFamily="34" charset="0"/>
-                <a:ea typeface="Lato"/>
-              </a:rPr>
-              <a:t>2016</a:t>
+              <a:t> as demonstrated by Dong, C et al 2016</a:t>
             </a:r>
             <a:r>
               <a:rPr lang="en-NZ" b="1" spc="-1" baseline="33000" dirty="0" smtClean="0">
@@ -22753,7 +22766,7 @@
     </p:spTree>
     <p:extLst>
       <p:ext uri="{BB962C8B-B14F-4D97-AF65-F5344CB8AC3E}">
-        <p14:creationId xmlns="" xmlns:p14="http://schemas.microsoft.com/office/powerpoint/2010/main" val="186657960"/>
+        <p14:creationId xmlns:p14="http://schemas.microsoft.com/office/powerpoint/2010/main" xmlns="" val="186657960"/>
       </p:ext>
     </p:extLst>
   </p:cSld>
@@ -23123,7 +23136,7 @@
     </p:spTree>
     <p:extLst>
       <p:ext uri="{BB962C8B-B14F-4D97-AF65-F5344CB8AC3E}">
-        <p14:creationId xmlns="" xmlns:p14="http://schemas.microsoft.com/office/powerpoint/2010/main" val="186657960"/>
+        <p14:creationId xmlns:p14="http://schemas.microsoft.com/office/powerpoint/2010/main" xmlns="" val="186657960"/>
       </p:ext>
     </p:extLst>
   </p:cSld>
